--- a/XPTO Planning.pptx
+++ b/XPTO Planning.pptx
@@ -7,6 +7,15 @@
   <p:sldIdLst>
     <p:sldId id="256" r:id="rId2"/>
     <p:sldId id="257" r:id="rId3"/>
+    <p:sldId id="258" r:id="rId4"/>
+    <p:sldId id="259" r:id="rId5"/>
+    <p:sldId id="260" r:id="rId6"/>
+    <p:sldId id="261" r:id="rId7"/>
+    <p:sldId id="262" r:id="rId8"/>
+    <p:sldId id="263" r:id="rId9"/>
+    <p:sldId id="264" r:id="rId10"/>
+    <p:sldId id="265" r:id="rId11"/>
+    <p:sldId id="266" r:id="rId12"/>
   </p:sldIdLst>
   <p:sldSz cx="12192000" cy="6858000"/>
   <p:notesSz cx="6858000" cy="9144000"/>
@@ -3022,6 +3031,243 @@
 </p:sld>
 </file>
 
+<file path=ppt/slides/slide10.xml><?xml version="1.0" encoding="utf-8"?>
+<p:sld xmlns:a="http://schemas.openxmlformats.org/drawingml/2006/main" xmlns:r="http://schemas.openxmlformats.org/officeDocument/2006/relationships" xmlns:p="http://schemas.openxmlformats.org/presentationml/2006/main">
+  <p:cSld>
+    <p:spTree>
+      <p:nvGrpSpPr>
+        <p:cNvPr id="1" name=""/>
+        <p:cNvGrpSpPr/>
+        <p:nvPr/>
+      </p:nvGrpSpPr>
+      <p:grpSpPr>
+        <a:xfrm>
+          <a:off x="0" y="0"/>
+          <a:ext cx="0" cy="0"/>
+          <a:chOff x="0" y="0"/>
+          <a:chExt cx="0" cy="0"/>
+        </a:xfrm>
+      </p:grpSpPr>
+      <p:sp>
+        <p:nvSpPr>
+          <p:cNvPr id="2" name="Title 1"/>
+          <p:cNvSpPr>
+            <a:spLocks noGrp="1"/>
+          </p:cNvSpPr>
+          <p:nvPr>
+            <p:ph type="title"/>
+          </p:nvPr>
+        </p:nvSpPr>
+        <p:spPr/>
+        <p:txBody>
+          <a:bodyPr/>
+          <a:lstStyle/>
+          <a:p>
+            <a:r>
+              <a:rPr lang="pt-BR" dirty="0"/>
+              <a:t>Nossa Metodologia de Trabalho</a:t>
+            </a:r>
+          </a:p>
+        </p:txBody>
+      </p:sp>
+      <p:sp>
+        <p:nvSpPr>
+          <p:cNvPr id="3" name="Content Placeholder 2"/>
+          <p:cNvSpPr>
+            <a:spLocks noGrp="1"/>
+          </p:cNvSpPr>
+          <p:nvPr>
+            <p:ph idx="1"/>
+          </p:nvPr>
+        </p:nvSpPr>
+        <p:spPr>
+          <a:xfrm>
+            <a:off x="838200" y="1825624"/>
+            <a:ext cx="10515600" cy="4927513"/>
+          </a:xfrm>
+        </p:spPr>
+        <p:txBody>
+          <a:bodyPr>
+            <a:normAutofit/>
+          </a:bodyPr>
+          <a:lstStyle/>
+          <a:p>
+            <a:r>
+              <a:rPr lang="pt-BR" dirty="0"/>
+              <a:t>Metodologia semelhante a proposta (que chamamos de XPTO):</a:t>
+            </a:r>
+          </a:p>
+          <a:p>
+            <a:pPr lvl="1"/>
+            <a:r>
+              <a:rPr lang="pt-BR" dirty="0"/>
+              <a:t>Um projeto no GitHub foi criado</a:t>
+            </a:r>
+          </a:p>
+          <a:p>
+            <a:pPr lvl="1"/>
+            <a:r>
+              <a:rPr lang="pt-BR" dirty="0"/>
+              <a:t>Milestones representam as datas para as apresentações de acompanhamento</a:t>
+            </a:r>
+          </a:p>
+          <a:p>
+            <a:pPr lvl="1"/>
+            <a:r>
+              <a:rPr lang="pt-BR" dirty="0"/>
+              <a:t>Issues estão sendo criadas e vinculadas a cada milestone</a:t>
+            </a:r>
+          </a:p>
+          <a:p>
+            <a:pPr lvl="1"/>
+            <a:r>
+              <a:rPr lang="pt-BR" dirty="0"/>
+              <a:t>Ao final, com a resolução de todas as issues, entende-se que o projeto estará concluído</a:t>
+            </a:r>
+          </a:p>
+          <a:p>
+            <a:r>
+              <a:rPr lang="pt-BR" dirty="0"/>
+              <a:t>Reuniões às Terças para discussão sob o andamento do projeto</a:t>
+            </a:r>
+          </a:p>
+          <a:p>
+            <a:r>
+              <a:rPr lang="pt-BR" dirty="0"/>
+              <a:t>Metodologia escolhida pelo fator não-presencial dos envolvidos e praticidade de se trabalhar com issues no GitHub</a:t>
+            </a:r>
+          </a:p>
+          <a:p>
+            <a:pPr lvl="1"/>
+            <a:r>
+              <a:rPr lang="pt-BR" dirty="0"/>
+              <a:t>Por exemplo, uma issue pode ser fechada via um commit colocando “closes #3” no final da mensagem. Isso fecharia a Issue número 3.</a:t>
+            </a:r>
+          </a:p>
+        </p:txBody>
+      </p:sp>
+    </p:spTree>
+    <p:extLst>
+      <p:ext uri="{BB962C8B-B14F-4D97-AF65-F5344CB8AC3E}">
+        <p14:creationId xmlns:p14="http://schemas.microsoft.com/office/powerpoint/2010/main" val="1795858104"/>
+      </p:ext>
+    </p:extLst>
+  </p:cSld>
+  <p:clrMapOvr>
+    <a:masterClrMapping/>
+  </p:clrMapOvr>
+</p:sld>
+</file>
+
+<file path=ppt/slides/slide11.xml><?xml version="1.0" encoding="utf-8"?>
+<p:sld xmlns:a="http://schemas.openxmlformats.org/drawingml/2006/main" xmlns:r="http://schemas.openxmlformats.org/officeDocument/2006/relationships" xmlns:p="http://schemas.openxmlformats.org/presentationml/2006/main">
+  <p:cSld>
+    <p:spTree>
+      <p:nvGrpSpPr>
+        <p:cNvPr id="1" name=""/>
+        <p:cNvGrpSpPr/>
+        <p:nvPr/>
+      </p:nvGrpSpPr>
+      <p:grpSpPr>
+        <a:xfrm>
+          <a:off x="0" y="0"/>
+          <a:ext cx="0" cy="0"/>
+          <a:chOff x="0" y="0"/>
+          <a:chExt cx="0" cy="0"/>
+        </a:xfrm>
+      </p:grpSpPr>
+      <p:pic>
+        <p:nvPicPr>
+          <p:cNvPr id="4" name="Picture 3"/>
+          <p:cNvPicPr>
+            <a:picLocks noChangeAspect="1"/>
+          </p:cNvPicPr>
+          <p:nvPr/>
+        </p:nvPicPr>
+        <p:blipFill rotWithShape="1">
+          <a:blip r:embed="rId2">
+            <a:extLst>
+              <a:ext uri="{BEBA8EAE-BF5A-486C-A8C5-ECC9F3942E4B}">
+                <a14:imgProps xmlns:a14="http://schemas.microsoft.com/office/drawing/2010/main">
+                  <a14:imgLayer r:embed="rId3">
+                    <a14:imgEffect>
+                      <a14:artisticBlur radius="15"/>
+                    </a14:imgEffect>
+                  </a14:imgLayer>
+                </a14:imgProps>
+              </a:ext>
+            </a:extLst>
+          </a:blip>
+          <a:srcRect l="2658" t="2658" r="2658" b="2658"/>
+          <a:stretch/>
+        </p:blipFill>
+        <p:spPr>
+          <a:xfrm>
+            <a:off x="0" y="0"/>
+            <a:ext cx="12192000" cy="6858000"/>
+          </a:xfrm>
+          <a:prstGeom prst="rect">
+            <a:avLst/>
+          </a:prstGeom>
+        </p:spPr>
+      </p:pic>
+      <p:sp>
+        <p:nvSpPr>
+          <p:cNvPr id="2" name="Title 1"/>
+          <p:cNvSpPr>
+            <a:spLocks noGrp="1"/>
+          </p:cNvSpPr>
+          <p:nvPr>
+            <p:ph type="ctrTitle"/>
+          </p:nvPr>
+        </p:nvSpPr>
+        <p:spPr/>
+        <p:txBody>
+          <a:bodyPr/>
+          <a:lstStyle/>
+          <a:p>
+            <a:r>
+              <a:rPr lang="pt-BR" dirty="0"/>
+              <a:t>GG</a:t>
+            </a:r>
+          </a:p>
+        </p:txBody>
+      </p:sp>
+      <p:sp>
+        <p:nvSpPr>
+          <p:cNvPr id="3" name="Subtitle 2"/>
+          <p:cNvSpPr>
+            <a:spLocks noGrp="1"/>
+          </p:cNvSpPr>
+          <p:nvPr>
+            <p:ph type="subTitle" idx="1"/>
+          </p:nvPr>
+        </p:nvSpPr>
+        <p:spPr/>
+        <p:txBody>
+          <a:bodyPr/>
+          <a:lstStyle/>
+          <a:p>
+            <a:r>
+              <a:rPr lang="pt-BR" dirty="0"/>
+              <a:t>Agora é só fazer.</a:t>
+            </a:r>
+          </a:p>
+        </p:txBody>
+      </p:sp>
+    </p:spTree>
+    <p:extLst>
+      <p:ext uri="{BB962C8B-B14F-4D97-AF65-F5344CB8AC3E}">
+        <p14:creationId xmlns:p14="http://schemas.microsoft.com/office/powerpoint/2010/main" val="3069289409"/>
+      </p:ext>
+    </p:extLst>
+  </p:cSld>
+  <p:clrMapOvr>
+    <a:masterClrMapping/>
+  </p:clrMapOvr>
+</p:sld>
+</file>
+
 <file path=ppt/slides/slide2.xml><?xml version="1.0" encoding="utf-8"?>
 <p:sld xmlns:a="http://schemas.openxmlformats.org/drawingml/2006/main" xmlns:r="http://schemas.openxmlformats.org/officeDocument/2006/relationships" xmlns:p="http://schemas.openxmlformats.org/presentationml/2006/main">
   <p:cSld>
@@ -3054,7 +3300,10 @@
           <a:bodyPr/>
           <a:lstStyle/>
           <a:p>
-            <a:endParaRPr lang="pt-BR"/>
+            <a:r>
+              <a:rPr lang="pt-BR" dirty="0"/>
+              <a:t>Introdução</a:t>
+            </a:r>
           </a:p>
         </p:txBody>
       </p:sp>
@@ -3070,10 +3319,54 @@
         </p:nvSpPr>
         <p:spPr/>
         <p:txBody>
-          <a:bodyPr/>
-          <a:lstStyle/>
-          <a:p>
-            <a:endParaRPr lang="pt-BR"/>
+          <a:bodyPr>
+            <a:normAutofit/>
+          </a:bodyPr>
+          <a:lstStyle/>
+          <a:p>
+            <a:r>
+              <a:rPr lang="pt-BR" dirty="0"/>
+              <a:t>Ferramenta para auxílio em projetos gerais</a:t>
+            </a:r>
+          </a:p>
+          <a:p>
+            <a:r>
+              <a:rPr lang="pt-BR" dirty="0"/>
+              <a:t>Foco em Requisitos</a:t>
+            </a:r>
+          </a:p>
+          <a:p>
+            <a:pPr lvl="1"/>
+            <a:r>
+              <a:rPr lang="pt-BR" dirty="0"/>
+              <a:t>Justificativa do Requisito: Onde, quando e quem pediu aquele requisito</a:t>
+            </a:r>
+          </a:p>
+          <a:p>
+            <a:r>
+              <a:rPr lang="pt-BR" dirty="0"/>
+              <a:t>Tarefas sempre estão vinculadas a um Requisito</a:t>
+            </a:r>
+          </a:p>
+          <a:p>
+            <a:pPr lvl="1"/>
+            <a:r>
+              <a:rPr lang="pt-BR" dirty="0"/>
+              <a:t>A resolução de todas as Tarefas vinculadas a um Requisito deixa o mesmo pronto para homologação</a:t>
+            </a:r>
+          </a:p>
+          <a:p>
+            <a:r>
+              <a:rPr lang="pt-BR" dirty="0"/>
+              <a:t>Auxílio na estimação de custo do projeto</a:t>
+            </a:r>
+          </a:p>
+          <a:p>
+            <a:pPr lvl="1"/>
+            <a:r>
+              <a:rPr lang="pt-BR" dirty="0"/>
+              <a:t>Cada profissional terá junto a ele um custo da hora trabalhada e esse custo será usado como estimativa do valor do projeto</a:t>
+            </a:r>
           </a:p>
         </p:txBody>
       </p:sp>
@@ -3081,6 +3374,811 @@
     <p:extLst>
       <p:ext uri="{BB962C8B-B14F-4D97-AF65-F5344CB8AC3E}">
         <p14:creationId xmlns:p14="http://schemas.microsoft.com/office/powerpoint/2010/main" val="3610882445"/>
+      </p:ext>
+    </p:extLst>
+  </p:cSld>
+  <p:clrMapOvr>
+    <a:masterClrMapping/>
+  </p:clrMapOvr>
+</p:sld>
+</file>
+
+<file path=ppt/slides/slide3.xml><?xml version="1.0" encoding="utf-8"?>
+<p:sld xmlns:a="http://schemas.openxmlformats.org/drawingml/2006/main" xmlns:r="http://schemas.openxmlformats.org/officeDocument/2006/relationships" xmlns:p="http://schemas.openxmlformats.org/presentationml/2006/main">
+  <p:cSld>
+    <p:spTree>
+      <p:nvGrpSpPr>
+        <p:cNvPr id="1" name=""/>
+        <p:cNvGrpSpPr/>
+        <p:nvPr/>
+      </p:nvGrpSpPr>
+      <p:grpSpPr>
+        <a:xfrm>
+          <a:off x="0" y="0"/>
+          <a:ext cx="0" cy="0"/>
+          <a:chOff x="0" y="0"/>
+          <a:chExt cx="0" cy="0"/>
+        </a:xfrm>
+      </p:grpSpPr>
+      <p:sp>
+        <p:nvSpPr>
+          <p:cNvPr id="2" name="Title 1"/>
+          <p:cNvSpPr>
+            <a:spLocks noGrp="1"/>
+          </p:cNvSpPr>
+          <p:nvPr>
+            <p:ph type="title"/>
+          </p:nvPr>
+        </p:nvSpPr>
+        <p:spPr/>
+        <p:txBody>
+          <a:bodyPr/>
+          <a:lstStyle/>
+          <a:p>
+            <a:r>
+              <a:rPr lang="pt-BR" dirty="0"/>
+              <a:t>Áreas da Gestão contempladas</a:t>
+            </a:r>
+          </a:p>
+        </p:txBody>
+      </p:sp>
+      <p:sp>
+        <p:nvSpPr>
+          <p:cNvPr id="3" name="Content Placeholder 2"/>
+          <p:cNvSpPr>
+            <a:spLocks noGrp="1"/>
+          </p:cNvSpPr>
+          <p:nvPr>
+            <p:ph idx="1"/>
+          </p:nvPr>
+        </p:nvSpPr>
+        <p:spPr/>
+        <p:txBody>
+          <a:bodyPr>
+            <a:normAutofit/>
+          </a:bodyPr>
+          <a:lstStyle/>
+          <a:p>
+            <a:r>
+              <a:rPr lang="pt-BR" b="1" u="sng" dirty="0"/>
+              <a:t>Gestão de Escopo</a:t>
+            </a:r>
+          </a:p>
+          <a:p>
+            <a:pPr lvl="1"/>
+            <a:r>
+              <a:rPr lang="pt-BR" dirty="0"/>
+              <a:t>Cuida do que deve e o que </a:t>
+            </a:r>
+            <a:r>
+              <a:rPr lang="pt-BR" b="1" dirty="0"/>
+              <a:t>não</a:t>
+            </a:r>
+            <a:r>
+              <a:rPr lang="pt-BR" dirty="0"/>
+              <a:t> deve ser contemplado pelo projeto;</a:t>
+            </a:r>
+          </a:p>
+          <a:p>
+            <a:pPr lvl="1"/>
+            <a:r>
+              <a:rPr lang="pt-BR" dirty="0"/>
+              <a:t>Foco principal da ferramenta;</a:t>
+            </a:r>
+          </a:p>
+          <a:p>
+            <a:pPr lvl="1"/>
+            <a:r>
+              <a:rPr lang="pt-BR" dirty="0"/>
+              <a:t>Requisitos tem 3 tipos: Funcionais, Não-Funcionais e Restrições</a:t>
+            </a:r>
+          </a:p>
+          <a:p>
+            <a:pPr lvl="2"/>
+            <a:r>
+              <a:rPr lang="pt-BR" dirty="0"/>
+              <a:t>Funcionais: Requisitos </a:t>
+            </a:r>
+            <a:r>
+              <a:rPr lang="pt-BR" b="1" dirty="0"/>
+              <a:t>do cliente</a:t>
+            </a:r>
+            <a:r>
+              <a:rPr lang="pt-BR" dirty="0"/>
+              <a:t> que devem ser atendidos</a:t>
+            </a:r>
+          </a:p>
+          <a:p>
+            <a:pPr lvl="2"/>
+            <a:r>
+              <a:rPr lang="pt-BR" dirty="0"/>
+              <a:t>Não-Funcionais: Requisitos internos que devem ser atendidos para ser possível executar o projeto</a:t>
+            </a:r>
+          </a:p>
+          <a:p>
+            <a:pPr lvl="2"/>
+            <a:r>
+              <a:rPr lang="pt-BR" dirty="0"/>
+              <a:t>Restrições: Requisitos que restringem outros. Por exemplo: “Usuários não poderão apagar sua conta sem antes entrar em contato conosco” – Isso será um requisito de restrição que restringe </a:t>
+            </a:r>
+          </a:p>
+        </p:txBody>
+      </p:sp>
+    </p:spTree>
+    <p:extLst>
+      <p:ext uri="{BB962C8B-B14F-4D97-AF65-F5344CB8AC3E}">
+        <p14:creationId xmlns:p14="http://schemas.microsoft.com/office/powerpoint/2010/main" val="357333713"/>
+      </p:ext>
+    </p:extLst>
+  </p:cSld>
+  <p:clrMapOvr>
+    <a:masterClrMapping/>
+  </p:clrMapOvr>
+</p:sld>
+</file>
+
+<file path=ppt/slides/slide4.xml><?xml version="1.0" encoding="utf-8"?>
+<p:sld xmlns:a="http://schemas.openxmlformats.org/drawingml/2006/main" xmlns:r="http://schemas.openxmlformats.org/officeDocument/2006/relationships" xmlns:p="http://schemas.openxmlformats.org/presentationml/2006/main">
+  <p:cSld>
+    <p:spTree>
+      <p:nvGrpSpPr>
+        <p:cNvPr id="1" name=""/>
+        <p:cNvGrpSpPr/>
+        <p:nvPr/>
+      </p:nvGrpSpPr>
+      <p:grpSpPr>
+        <a:xfrm>
+          <a:off x="0" y="0"/>
+          <a:ext cx="0" cy="0"/>
+          <a:chOff x="0" y="0"/>
+          <a:chExt cx="0" cy="0"/>
+        </a:xfrm>
+      </p:grpSpPr>
+      <p:sp>
+        <p:nvSpPr>
+          <p:cNvPr id="2" name="Title 1"/>
+          <p:cNvSpPr>
+            <a:spLocks noGrp="1"/>
+          </p:cNvSpPr>
+          <p:nvPr>
+            <p:ph type="title"/>
+          </p:nvPr>
+        </p:nvSpPr>
+        <p:spPr/>
+        <p:txBody>
+          <a:bodyPr/>
+          <a:lstStyle/>
+          <a:p>
+            <a:r>
+              <a:rPr lang="pt-BR" dirty="0"/>
+              <a:t>Áreas da Gestão contempladas</a:t>
+            </a:r>
+          </a:p>
+        </p:txBody>
+      </p:sp>
+      <p:sp>
+        <p:nvSpPr>
+          <p:cNvPr id="3" name="Content Placeholder 2"/>
+          <p:cNvSpPr>
+            <a:spLocks noGrp="1"/>
+          </p:cNvSpPr>
+          <p:nvPr>
+            <p:ph idx="1"/>
+          </p:nvPr>
+        </p:nvSpPr>
+        <p:spPr/>
+        <p:txBody>
+          <a:bodyPr>
+            <a:normAutofit/>
+          </a:bodyPr>
+          <a:lstStyle/>
+          <a:p>
+            <a:r>
+              <a:rPr lang="pt-BR" b="1" u="sng" dirty="0"/>
+              <a:t>Gestão de Tempo</a:t>
+            </a:r>
+          </a:p>
+          <a:p>
+            <a:pPr lvl="1"/>
+            <a:r>
+              <a:rPr lang="pt-BR" dirty="0"/>
+              <a:t>Tarefas terão um tempo proposto e uma forma de acompanhar o tempo trabalhado na mesma</a:t>
+            </a:r>
+          </a:p>
+          <a:p>
+            <a:r>
+              <a:rPr lang="pt-BR" b="1" u="sng" dirty="0"/>
+              <a:t>Gestão de Custo</a:t>
+            </a:r>
+          </a:p>
+          <a:p>
+            <a:pPr lvl="1"/>
+            <a:r>
+              <a:rPr lang="pt-BR" dirty="0"/>
+              <a:t>Todos os profissionais terão custos por hora ou uso</a:t>
+            </a:r>
+          </a:p>
+          <a:p>
+            <a:pPr lvl="1"/>
+            <a:r>
+              <a:rPr lang="pt-BR" dirty="0"/>
+              <a:t>Custo Real e Projetado do Projeto e de cada Requisito será calculado com base nas estimativas das tarefas, em quem está trabalhando, quanto foi trabalhado, etc.</a:t>
+            </a:r>
+          </a:p>
+          <a:p>
+            <a:pPr lvl="1"/>
+            <a:r>
+              <a:rPr lang="pt-BR" dirty="0"/>
+              <a:t>Tarefas poderão ter custos associados a elas: </a:t>
+            </a:r>
+            <a:r>
+              <a:rPr lang="pt-BR" i="1" dirty="0"/>
+              <a:t>Compra de domínio, R$ 50</a:t>
+            </a:r>
+          </a:p>
+          <a:p>
+            <a:pPr lvl="1"/>
+            <a:r>
+              <a:rPr lang="pt-BR" dirty="0"/>
+              <a:t>Registo de Custos avulsos: </a:t>
+            </a:r>
+            <a:r>
+              <a:rPr lang="pt-BR" i="1" dirty="0"/>
+              <a:t>Viagem para falar com clientes, R$ 1.000,00</a:t>
+            </a:r>
+          </a:p>
+        </p:txBody>
+      </p:sp>
+    </p:spTree>
+    <p:extLst>
+      <p:ext uri="{BB962C8B-B14F-4D97-AF65-F5344CB8AC3E}">
+        <p14:creationId xmlns:p14="http://schemas.microsoft.com/office/powerpoint/2010/main" val="269913354"/>
+      </p:ext>
+    </p:extLst>
+  </p:cSld>
+  <p:clrMapOvr>
+    <a:masterClrMapping/>
+  </p:clrMapOvr>
+</p:sld>
+</file>
+
+<file path=ppt/slides/slide5.xml><?xml version="1.0" encoding="utf-8"?>
+<p:sld xmlns:a="http://schemas.openxmlformats.org/drawingml/2006/main" xmlns:r="http://schemas.openxmlformats.org/officeDocument/2006/relationships" xmlns:p="http://schemas.openxmlformats.org/presentationml/2006/main">
+  <p:cSld>
+    <p:spTree>
+      <p:nvGrpSpPr>
+        <p:cNvPr id="1" name=""/>
+        <p:cNvGrpSpPr/>
+        <p:nvPr/>
+      </p:nvGrpSpPr>
+      <p:grpSpPr>
+        <a:xfrm>
+          <a:off x="0" y="0"/>
+          <a:ext cx="0" cy="0"/>
+          <a:chOff x="0" y="0"/>
+          <a:chExt cx="0" cy="0"/>
+        </a:xfrm>
+      </p:grpSpPr>
+      <p:sp>
+        <p:nvSpPr>
+          <p:cNvPr id="2" name="Title 1"/>
+          <p:cNvSpPr>
+            <a:spLocks noGrp="1"/>
+          </p:cNvSpPr>
+          <p:nvPr>
+            <p:ph type="title"/>
+          </p:nvPr>
+        </p:nvSpPr>
+        <p:spPr/>
+        <p:txBody>
+          <a:bodyPr/>
+          <a:lstStyle/>
+          <a:p>
+            <a:r>
+              <a:rPr lang="pt-BR" dirty="0"/>
+              <a:t>Áreas da Gestão contempladas</a:t>
+            </a:r>
+          </a:p>
+        </p:txBody>
+      </p:sp>
+      <p:sp>
+        <p:nvSpPr>
+          <p:cNvPr id="3" name="Content Placeholder 2"/>
+          <p:cNvSpPr>
+            <a:spLocks noGrp="1"/>
+          </p:cNvSpPr>
+          <p:nvPr>
+            <p:ph idx="1"/>
+          </p:nvPr>
+        </p:nvSpPr>
+        <p:spPr/>
+        <p:txBody>
+          <a:bodyPr>
+            <a:normAutofit/>
+          </a:bodyPr>
+          <a:lstStyle/>
+          <a:p>
+            <a:r>
+              <a:rPr lang="pt-BR" dirty="0"/>
+              <a:t>Gestão de Risco</a:t>
+            </a:r>
+          </a:p>
+          <a:p>
+            <a:pPr lvl="1"/>
+            <a:r>
+              <a:rPr lang="pt-BR" i="1" dirty="0"/>
+              <a:t>Não é considerada um foco da ferramenta</a:t>
+            </a:r>
+          </a:p>
+          <a:p>
+            <a:pPr lvl="1"/>
+            <a:r>
+              <a:rPr lang="pt-BR" dirty="0"/>
+              <a:t>Pequenos itens de auxílio poderão ser inclusos:</a:t>
+            </a:r>
+          </a:p>
+          <a:p>
+            <a:pPr lvl="2"/>
+            <a:r>
+              <a:rPr lang="pt-BR" dirty="0"/>
+              <a:t>Requisitos poderão ser rotulados com um fator de risco e um fator de potencial de mudança, indicando o quão arriscado ou maleável é o requisito.</a:t>
+            </a:r>
+          </a:p>
+          <a:p>
+            <a:pPr lvl="2"/>
+            <a:r>
+              <a:rPr lang="pt-BR" dirty="0"/>
+              <a:t>Uma ideia seria exibir um tempo médio de mudança para requisitos com mudanças frequentes: </a:t>
+            </a:r>
+            <a:r>
+              <a:rPr lang="pt-BR" i="1" dirty="0"/>
+              <a:t>“</a:t>
+            </a:r>
+            <a:r>
+              <a:rPr lang="pt-BR" i="1" dirty="0">
+                <a:solidFill>
+                  <a:srgbClr val="C00000"/>
+                </a:solidFill>
+              </a:rPr>
+              <a:t>(!)</a:t>
+            </a:r>
+            <a:r>
+              <a:rPr lang="pt-BR" i="1" dirty="0"/>
+              <a:t> Este requisito muda, em média, a cada X dias”</a:t>
+            </a:r>
+            <a:endParaRPr lang="pt-BR" dirty="0"/>
+          </a:p>
+          <a:p>
+            <a:pPr lvl="2"/>
+            <a:r>
+              <a:rPr lang="pt-BR" dirty="0"/>
+              <a:t>Tarefas podem ser rotuladas com um fator de dificuldade</a:t>
+            </a:r>
+          </a:p>
+          <a:p>
+            <a:r>
+              <a:rPr lang="pt-BR" dirty="0"/>
+              <a:t>Gestão de Qualidade</a:t>
+            </a:r>
+          </a:p>
+          <a:p>
+            <a:pPr lvl="1"/>
+            <a:r>
+              <a:rPr lang="pt-BR" i="1" dirty="0"/>
+              <a:t>Não é considerada um foco da ferramenta</a:t>
+            </a:r>
+          </a:p>
+          <a:p>
+            <a:pPr lvl="1"/>
+            <a:r>
+              <a:rPr lang="pt-BR" dirty="0"/>
+              <a:t>Requisitos poderão ter um checklist para homologação</a:t>
+            </a:r>
+          </a:p>
+        </p:txBody>
+      </p:sp>
+    </p:spTree>
+    <p:extLst>
+      <p:ext uri="{BB962C8B-B14F-4D97-AF65-F5344CB8AC3E}">
+        <p14:creationId xmlns:p14="http://schemas.microsoft.com/office/powerpoint/2010/main" val="142502162"/>
+      </p:ext>
+    </p:extLst>
+  </p:cSld>
+  <p:clrMapOvr>
+    <a:masterClrMapping/>
+  </p:clrMapOvr>
+</p:sld>
+</file>
+
+<file path=ppt/slides/slide6.xml><?xml version="1.0" encoding="utf-8"?>
+<p:sld xmlns:a="http://schemas.openxmlformats.org/drawingml/2006/main" xmlns:r="http://schemas.openxmlformats.org/officeDocument/2006/relationships" xmlns:p="http://schemas.openxmlformats.org/presentationml/2006/main">
+  <p:cSld>
+    <p:spTree>
+      <p:nvGrpSpPr>
+        <p:cNvPr id="1" name=""/>
+        <p:cNvGrpSpPr/>
+        <p:nvPr/>
+      </p:nvGrpSpPr>
+      <p:grpSpPr>
+        <a:xfrm>
+          <a:off x="0" y="0"/>
+          <a:ext cx="0" cy="0"/>
+          <a:chOff x="0" y="0"/>
+          <a:chExt cx="0" cy="0"/>
+        </a:xfrm>
+      </p:grpSpPr>
+      <p:sp>
+        <p:nvSpPr>
+          <p:cNvPr id="2" name="Title 1"/>
+          <p:cNvSpPr>
+            <a:spLocks noGrp="1"/>
+          </p:cNvSpPr>
+          <p:nvPr>
+            <p:ph type="title"/>
+          </p:nvPr>
+        </p:nvSpPr>
+        <p:spPr/>
+        <p:txBody>
+          <a:bodyPr/>
+          <a:lstStyle/>
+          <a:p>
+            <a:r>
+              <a:rPr lang="pt-BR" dirty="0"/>
+              <a:t>Funcionamento da Ferramenta</a:t>
+            </a:r>
+          </a:p>
+        </p:txBody>
+      </p:sp>
+      <p:sp>
+        <p:nvSpPr>
+          <p:cNvPr id="3" name="Content Placeholder 2"/>
+          <p:cNvSpPr>
+            <a:spLocks noGrp="1"/>
+          </p:cNvSpPr>
+          <p:nvPr>
+            <p:ph idx="1"/>
+          </p:nvPr>
+        </p:nvSpPr>
+        <p:spPr/>
+        <p:txBody>
+          <a:bodyPr/>
+          <a:lstStyle/>
+          <a:p>
+            <a:r>
+              <a:rPr lang="pt-BR" dirty="0"/>
+              <a:t>Cadastram-se na ferramenta os envolvidos no Projeto</a:t>
+            </a:r>
+          </a:p>
+          <a:p>
+            <a:pPr lvl="1"/>
+            <a:r>
+              <a:rPr lang="pt-BR" dirty="0"/>
+              <a:t>Opcionalmente o cliente pode ser cadastrado, para acompanhamento</a:t>
+            </a:r>
+          </a:p>
+          <a:p>
+            <a:r>
+              <a:rPr lang="pt-BR" dirty="0"/>
+              <a:t>Através do levantamento de Requisitos, os Requisitos levantados serão registrados</a:t>
+            </a:r>
+          </a:p>
+          <a:p>
+            <a:pPr lvl="1"/>
+            <a:r>
+              <a:rPr lang="pt-BR" dirty="0"/>
+              <a:t>Cada Requisito obrigatoriamente deve conter documentos ou mídia que deixe claro quando e quem pediu aquele requisito;</a:t>
+            </a:r>
+          </a:p>
+          <a:p>
+            <a:pPr lvl="1"/>
+            <a:r>
+              <a:rPr lang="pt-BR" dirty="0"/>
+              <a:t>Desenvolvedores podem marcar um requisito para revisão, dada uma justificativa: </a:t>
+            </a:r>
+            <a:r>
+              <a:rPr lang="pt-BR" i="1" dirty="0"/>
+              <a:t>“Aqui diz que o botão deve ser grande, mas em nenhum momento no áudio o cliente sequer falou disso, nem deixou implícito”</a:t>
+            </a:r>
+          </a:p>
+          <a:p>
+            <a:pPr lvl="1"/>
+            <a:r>
+              <a:rPr lang="pt-BR" dirty="0"/>
+              <a:t>Versionamento de Requisito: Cada alteração cria uma versão do requisito</a:t>
+            </a:r>
+          </a:p>
+        </p:txBody>
+      </p:sp>
+    </p:spTree>
+    <p:extLst>
+      <p:ext uri="{BB962C8B-B14F-4D97-AF65-F5344CB8AC3E}">
+        <p14:creationId xmlns:p14="http://schemas.microsoft.com/office/powerpoint/2010/main" val="1730707168"/>
+      </p:ext>
+    </p:extLst>
+  </p:cSld>
+  <p:clrMapOvr>
+    <a:masterClrMapping/>
+  </p:clrMapOvr>
+</p:sld>
+</file>
+
+<file path=ppt/slides/slide7.xml><?xml version="1.0" encoding="utf-8"?>
+<p:sld xmlns:a="http://schemas.openxmlformats.org/drawingml/2006/main" xmlns:r="http://schemas.openxmlformats.org/officeDocument/2006/relationships" xmlns:p="http://schemas.openxmlformats.org/presentationml/2006/main">
+  <p:cSld>
+    <p:spTree>
+      <p:nvGrpSpPr>
+        <p:cNvPr id="1" name=""/>
+        <p:cNvGrpSpPr/>
+        <p:nvPr/>
+      </p:nvGrpSpPr>
+      <p:grpSpPr>
+        <a:xfrm>
+          <a:off x="0" y="0"/>
+          <a:ext cx="0" cy="0"/>
+          <a:chOff x="0" y="0"/>
+          <a:chExt cx="0" cy="0"/>
+        </a:xfrm>
+      </p:grpSpPr>
+      <p:sp>
+        <p:nvSpPr>
+          <p:cNvPr id="2" name="Title 1"/>
+          <p:cNvSpPr>
+            <a:spLocks noGrp="1"/>
+          </p:cNvSpPr>
+          <p:nvPr>
+            <p:ph type="title"/>
+          </p:nvPr>
+        </p:nvSpPr>
+        <p:spPr/>
+        <p:txBody>
+          <a:bodyPr/>
+          <a:lstStyle/>
+          <a:p>
+            <a:r>
+              <a:rPr lang="pt-BR" dirty="0"/>
+              <a:t>Funcionamento da Ferramenta</a:t>
+            </a:r>
+          </a:p>
+        </p:txBody>
+      </p:sp>
+      <p:sp>
+        <p:nvSpPr>
+          <p:cNvPr id="3" name="Content Placeholder 2"/>
+          <p:cNvSpPr>
+            <a:spLocks noGrp="1"/>
+          </p:cNvSpPr>
+          <p:nvPr>
+            <p:ph idx="1"/>
+          </p:nvPr>
+        </p:nvSpPr>
+        <p:spPr/>
+        <p:txBody>
+          <a:bodyPr/>
+          <a:lstStyle/>
+          <a:p>
+            <a:r>
+              <a:rPr lang="pt-BR" dirty="0"/>
+              <a:t>Com os Requisitos no Sistema, o líder do projeto criará tarefas que devem ser feitas para que o Requisito seja contemplado</a:t>
+            </a:r>
+          </a:p>
+          <a:p>
+            <a:r>
+              <a:rPr lang="pt-BR" dirty="0"/>
+              <a:t>Tarefas podem ou não serem vinculadas a um ou mais profissionais</a:t>
+            </a:r>
+          </a:p>
+          <a:p>
+            <a:pPr lvl="1"/>
+            <a:r>
+              <a:rPr lang="pt-BR" dirty="0"/>
+              <a:t>Liberdade para uma metodologia mais livre onde cada desenvolvedor escolhe se vincular a uma ou outra</a:t>
+            </a:r>
+          </a:p>
+          <a:p>
+            <a:r>
+              <a:rPr lang="pt-BR" dirty="0"/>
+              <a:t>A qualquer momento o Projeto poderá ser Congelado</a:t>
+            </a:r>
+          </a:p>
+          <a:p>
+            <a:pPr lvl="1"/>
+            <a:r>
+              <a:rPr lang="pt-BR" dirty="0"/>
+              <a:t>Em um projeto congelado Requisitos não poderão ser criados nem alterados</a:t>
+            </a:r>
+          </a:p>
+          <a:p>
+            <a:pPr lvl="1"/>
+            <a:r>
+              <a:rPr lang="pt-BR" dirty="0"/>
+              <a:t>Funcionalidade para auxiliar metodologias Em Cascata</a:t>
+            </a:r>
+          </a:p>
+        </p:txBody>
+      </p:sp>
+    </p:spTree>
+    <p:extLst>
+      <p:ext uri="{BB962C8B-B14F-4D97-AF65-F5344CB8AC3E}">
+        <p14:creationId xmlns:p14="http://schemas.microsoft.com/office/powerpoint/2010/main" val="3281734093"/>
+      </p:ext>
+    </p:extLst>
+  </p:cSld>
+  <p:clrMapOvr>
+    <a:masterClrMapping/>
+  </p:clrMapOvr>
+</p:sld>
+</file>
+
+<file path=ppt/slides/slide8.xml><?xml version="1.0" encoding="utf-8"?>
+<p:sld xmlns:a="http://schemas.openxmlformats.org/drawingml/2006/main" xmlns:r="http://schemas.openxmlformats.org/officeDocument/2006/relationships" xmlns:p="http://schemas.openxmlformats.org/presentationml/2006/main">
+  <p:cSld>
+    <p:spTree>
+      <p:nvGrpSpPr>
+        <p:cNvPr id="1" name=""/>
+        <p:cNvGrpSpPr/>
+        <p:nvPr/>
+      </p:nvGrpSpPr>
+      <p:grpSpPr>
+        <a:xfrm>
+          <a:off x="0" y="0"/>
+          <a:ext cx="0" cy="0"/>
+          <a:chOff x="0" y="0"/>
+          <a:chExt cx="0" cy="0"/>
+        </a:xfrm>
+      </p:grpSpPr>
+      <p:sp>
+        <p:nvSpPr>
+          <p:cNvPr id="2" name="Title 1"/>
+          <p:cNvSpPr>
+            <a:spLocks noGrp="1"/>
+          </p:cNvSpPr>
+          <p:nvPr>
+            <p:ph type="title"/>
+          </p:nvPr>
+        </p:nvSpPr>
+        <p:spPr/>
+        <p:txBody>
+          <a:bodyPr/>
+          <a:lstStyle/>
+          <a:p>
+            <a:r>
+              <a:rPr lang="pt-BR" dirty="0"/>
+              <a:t>Funcionamento da Ferramenta</a:t>
+            </a:r>
+          </a:p>
+        </p:txBody>
+      </p:sp>
+      <p:sp>
+        <p:nvSpPr>
+          <p:cNvPr id="3" name="Content Placeholder 2"/>
+          <p:cNvSpPr>
+            <a:spLocks noGrp="1"/>
+          </p:cNvSpPr>
+          <p:nvPr>
+            <p:ph idx="1"/>
+          </p:nvPr>
+        </p:nvSpPr>
+        <p:spPr/>
+        <p:txBody>
+          <a:bodyPr/>
+          <a:lstStyle/>
+          <a:p>
+            <a:r>
+              <a:rPr lang="pt-BR" dirty="0"/>
+              <a:t>Após o cadastro das Tarefas, os profissionais vinculados a elas terão uma interface para iniciar, pausar e concluir o trabalho na Tarefa</a:t>
+            </a:r>
+          </a:p>
+          <a:p>
+            <a:r>
+              <a:rPr lang="pt-BR" dirty="0"/>
+              <a:t>Após a conclusão do trabalho, a tarefa irá aguardar a homologação pelo Líder de projeto e, se homologada, torna-se concluída</a:t>
+            </a:r>
+          </a:p>
+          <a:p>
+            <a:r>
+              <a:rPr lang="pt-BR" dirty="0"/>
+              <a:t>Quando todas as tarefas vinculadas a um Requisito estiverem concluídas, o Requisito vai para fase de homologação</a:t>
+            </a:r>
+          </a:p>
+          <a:p>
+            <a:pPr lvl="1"/>
+            <a:r>
+              <a:rPr lang="pt-BR" dirty="0"/>
+              <a:t>Num cenário ideal o Cliente, Líder de Projeto e Profissionais envolvidos fariam a homologação</a:t>
+            </a:r>
+          </a:p>
+          <a:p>
+            <a:r>
+              <a:rPr lang="pt-BR" dirty="0"/>
+              <a:t>Caso seja homologado ou recusado, documentos de comprovação deverão ser apresentados</a:t>
+            </a:r>
+          </a:p>
+        </p:txBody>
+      </p:sp>
+    </p:spTree>
+    <p:extLst>
+      <p:ext uri="{BB962C8B-B14F-4D97-AF65-F5344CB8AC3E}">
+        <p14:creationId xmlns:p14="http://schemas.microsoft.com/office/powerpoint/2010/main" val="1572127037"/>
+      </p:ext>
+    </p:extLst>
+  </p:cSld>
+  <p:clrMapOvr>
+    <a:masterClrMapping/>
+  </p:clrMapOvr>
+</p:sld>
+</file>
+
+<file path=ppt/slides/slide9.xml><?xml version="1.0" encoding="utf-8"?>
+<p:sld xmlns:a="http://schemas.openxmlformats.org/drawingml/2006/main" xmlns:r="http://schemas.openxmlformats.org/officeDocument/2006/relationships" xmlns:p="http://schemas.openxmlformats.org/presentationml/2006/main">
+  <p:cSld>
+    <p:spTree>
+      <p:nvGrpSpPr>
+        <p:cNvPr id="1" name=""/>
+        <p:cNvGrpSpPr/>
+        <p:nvPr/>
+      </p:nvGrpSpPr>
+      <p:grpSpPr>
+        <a:xfrm>
+          <a:off x="0" y="0"/>
+          <a:ext cx="0" cy="0"/>
+          <a:chOff x="0" y="0"/>
+          <a:chExt cx="0" cy="0"/>
+        </a:xfrm>
+      </p:grpSpPr>
+      <p:sp>
+        <p:nvSpPr>
+          <p:cNvPr id="2" name="Title 1"/>
+          <p:cNvSpPr>
+            <a:spLocks noGrp="1"/>
+          </p:cNvSpPr>
+          <p:nvPr>
+            <p:ph type="title"/>
+          </p:nvPr>
+        </p:nvSpPr>
+        <p:spPr/>
+        <p:txBody>
+          <a:bodyPr/>
+          <a:lstStyle/>
+          <a:p>
+            <a:r>
+              <a:rPr lang="pt-BR" dirty="0"/>
+              <a:t>Funcionamento da Ferramenta</a:t>
+            </a:r>
+          </a:p>
+        </p:txBody>
+      </p:sp>
+      <p:sp>
+        <p:nvSpPr>
+          <p:cNvPr id="3" name="Content Placeholder 2"/>
+          <p:cNvSpPr>
+            <a:spLocks noGrp="1"/>
+          </p:cNvSpPr>
+          <p:nvPr>
+            <p:ph idx="1"/>
+          </p:nvPr>
+        </p:nvSpPr>
+        <p:spPr/>
+        <p:txBody>
+          <a:bodyPr/>
+          <a:lstStyle/>
+          <a:p>
+            <a:r>
+              <a:rPr lang="pt-BR" dirty="0"/>
+              <a:t>Se um Requisito não foi homologado, as tarefas relevantes serão reiniciadas e novas poderão aparecer</a:t>
+            </a:r>
+          </a:p>
+          <a:p>
+            <a:r>
+              <a:rPr lang="pt-BR" dirty="0"/>
+              <a:t>Considera-se que o projeto foi concluído quando todos os Requisitos forem concluídos e homologados</a:t>
+            </a:r>
+          </a:p>
+        </p:txBody>
+      </p:sp>
+    </p:spTree>
+    <p:extLst>
+      <p:ext uri="{BB962C8B-B14F-4D97-AF65-F5344CB8AC3E}">
+        <p14:creationId xmlns:p14="http://schemas.microsoft.com/office/powerpoint/2010/main" val="1268348927"/>
       </p:ext>
     </p:extLst>
   </p:cSld>
